--- a/Event Planner.pptx
+++ b/Event Planner.pptx
@@ -249,7 +249,7 @@
                 <a:cs typeface="Tahoma" panose="020B0604030504040204" pitchFamily="34" charset="0"/>
               </a:rPr>
               <a:pPr algn="l" rtl="1"/>
-              <a:t>כ"ד/טבת/תשע"ט</a:t>
+              <a:t>כ"ז/טבת/תשע"ט</a:t>
             </a:fld>
             <a:endParaRPr lang="he-IL" dirty="0">
               <a:latin typeface="Tahoma" panose="020B0604030504040204" pitchFamily="34" charset="0"/>
@@ -443,7 +443,7 @@
             <a:fld id="{7F6F20BE-DE57-4305-82DB-1B0A695313C4}" type="datetime1">
               <a:rPr lang="he-IL" smtClean="0"/>
               <a:pPr/>
-              <a:t>כ"ד/טבת/תשע"ט</a:t>
+              <a:t>כ"ז/טבת/תשע"ט</a:t>
             </a:fld>
             <a:endParaRPr lang="he-IL" dirty="0"/>
           </a:p>
@@ -1081,7 +1081,7 @@
             <a:pPr rtl="1"/>
             <a:fld id="{E8F2E754-993E-43D7-A5FD-BC5651087694}" type="datetime1">
               <a:rPr lang="he-IL" noProof="0" smtClean="0"/>
-              <a:t>כ"ד/טבת/תשע"ט</a:t>
+              <a:t>כ"ז/טבת/תשע"ט</a:t>
             </a:fld>
             <a:endParaRPr lang="he-IL" noProof="0" dirty="0"/>
           </a:p>
@@ -1513,7 +1513,7 @@
           <a:p>
             <a:fld id="{FC44ADEF-38C2-44D4-9331-16883C293A27}" type="datetime1">
               <a:rPr lang="he-IL" noProof="0" smtClean="0"/>
-              <a:t>כ"ד/טבת/תשע"ט</a:t>
+              <a:t>כ"ז/טבת/תשע"ט</a:t>
             </a:fld>
             <a:endParaRPr lang="he-IL" noProof="0" dirty="0"/>
           </a:p>
@@ -1855,7 +1855,7 @@
           <a:p>
             <a:fld id="{FC44ADEF-38C2-44D4-9331-16883C293A27}" type="datetime1">
               <a:rPr lang="he-IL" noProof="0" smtClean="0"/>
-              <a:t>כ"ד/טבת/תשע"ט</a:t>
+              <a:t>כ"ז/טבת/תשע"ט</a:t>
             </a:fld>
             <a:endParaRPr lang="he-IL" noProof="0" dirty="0"/>
           </a:p>
@@ -2266,7 +2266,7 @@
           <a:p>
             <a:fld id="{FC44ADEF-38C2-44D4-9331-16883C293A27}" type="datetime1">
               <a:rPr lang="he-IL" noProof="0" smtClean="0"/>
-              <a:t>כ"ד/טבת/תשע"ט</a:t>
+              <a:t>כ"ז/טבת/תשע"ט</a:t>
             </a:fld>
             <a:endParaRPr lang="he-IL" noProof="0" dirty="0"/>
           </a:p>
@@ -2840,7 +2840,7 @@
           <a:p>
             <a:fld id="{FC44ADEF-38C2-44D4-9331-16883C293A27}" type="datetime1">
               <a:rPr lang="he-IL" noProof="0" smtClean="0"/>
-              <a:t>כ"ד/טבת/תשע"ט</a:t>
+              <a:t>כ"ז/טבת/תשע"ט</a:t>
             </a:fld>
             <a:endParaRPr lang="he-IL" noProof="0" dirty="0"/>
           </a:p>
@@ -3527,7 +3527,7 @@
           <a:p>
             <a:fld id="{FC44ADEF-38C2-44D4-9331-16883C293A27}" type="datetime1">
               <a:rPr lang="he-IL" noProof="0" smtClean="0"/>
-              <a:t>כ"ד/טבת/תשע"ט</a:t>
+              <a:t>כ"ז/טבת/תשע"ט</a:t>
             </a:fld>
             <a:endParaRPr lang="he-IL" noProof="0" dirty="0"/>
           </a:p>
@@ -4446,7 +4446,7 @@
           <a:p>
             <a:fld id="{FC44ADEF-38C2-44D4-9331-16883C293A27}" type="datetime1">
               <a:rPr lang="he-IL" noProof="0" smtClean="0"/>
-              <a:t>כ"ד/טבת/תשע"ט</a:t>
+              <a:t>כ"ז/טבת/תשע"ט</a:t>
             </a:fld>
             <a:endParaRPr lang="he-IL" noProof="0" dirty="0"/>
           </a:p>
@@ -4766,7 +4766,7 @@
             <a:pPr rtl="1"/>
             <a:fld id="{59E6C807-802C-4E0B-AE31-EE8E558FD749}" type="datetime1">
               <a:rPr lang="he-IL" noProof="0" smtClean="0"/>
-              <a:t>כ"ד/טבת/תשע"ט</a:t>
+              <a:t>כ"ז/טבת/תשע"ט</a:t>
             </a:fld>
             <a:endParaRPr lang="he-IL" noProof="0" dirty="0"/>
           </a:p>
@@ -5049,7 +5049,7 @@
             <a:pPr rtl="1"/>
             <a:fld id="{5F58BF6A-5383-4200-9941-545F6B027A0F}" type="datetime1">
               <a:rPr lang="he-IL" noProof="0" smtClean="0"/>
-              <a:t>כ"ד/טבת/תשע"ט</a:t>
+              <a:t>כ"ז/טבת/תשע"ט</a:t>
             </a:fld>
             <a:endParaRPr lang="he-IL" noProof="0" dirty="0"/>
           </a:p>
@@ -5484,7 +5484,7 @@
             <a:pPr rtl="1"/>
             <a:fld id="{AAEE3583-0EFC-4C13-9DB9-B74C55B0AA04}" type="datetime1">
               <a:rPr lang="he-IL" noProof="0" smtClean="0"/>
-              <a:t>כ"ד/טבת/תשע"ט</a:t>
+              <a:t>כ"ז/טבת/תשע"ט</a:t>
             </a:fld>
             <a:endParaRPr lang="he-IL" noProof="0" dirty="0"/>
           </a:p>
@@ -5892,7 +5892,7 @@
             <a:pPr rtl="1"/>
             <a:fld id="{5FB69A5E-DAA9-422D-8754-EEC1AB6EF75C}" type="datetime1">
               <a:rPr lang="he-IL" noProof="0" smtClean="0"/>
-              <a:t>כ"ד/טבת/תשע"ט</a:t>
+              <a:t>כ"ז/טבת/תשע"ט</a:t>
             </a:fld>
             <a:endParaRPr lang="he-IL" noProof="0" dirty="0"/>
           </a:p>
@@ -6288,7 +6288,7 @@
             <a:pPr rtl="1"/>
             <a:fld id="{71494364-3160-4110-80F8-19E2D1BC7066}" type="datetime1">
               <a:rPr lang="he-IL" noProof="0" smtClean="0"/>
-              <a:t>כ"ד/טבת/תשע"ט</a:t>
+              <a:t>כ"ז/טבת/תשע"ט</a:t>
             </a:fld>
             <a:endParaRPr lang="he-IL" noProof="0" dirty="0"/>
           </a:p>
@@ -6813,7 +6813,7 @@
             <a:pPr rtl="1"/>
             <a:fld id="{EAF95BB5-1F44-4B03-90DF-35B04D7DC784}" type="datetime1">
               <a:rPr lang="he-IL" noProof="0" smtClean="0"/>
-              <a:t>כ"ד/טבת/תשע"ט</a:t>
+              <a:t>כ"ז/טבת/תשע"ט</a:t>
             </a:fld>
             <a:endParaRPr lang="he-IL" noProof="0" dirty="0"/>
           </a:p>
@@ -7089,7 +7089,7 @@
             <a:pPr rtl="1"/>
             <a:fld id="{942777F5-6D8C-4BE3-BA8B-6053FE8CD7F5}" type="datetime1">
               <a:rPr lang="he-IL" noProof="0" smtClean="0"/>
-              <a:t>כ"ד/טבת/תשע"ט</a:t>
+              <a:t>כ"ז/טבת/תשע"ט</a:t>
             </a:fld>
             <a:endParaRPr lang="he-IL" noProof="0" dirty="0"/>
           </a:p>
@@ -7271,7 +7271,7 @@
             <a:pPr rtl="1"/>
             <a:fld id="{3EDDB669-11BA-43AF-AE77-B693A4E610DE}" type="datetime1">
               <a:rPr lang="he-IL" noProof="0" smtClean="0"/>
-              <a:t>כ"ד/טבת/תשע"ט</a:t>
+              <a:t>כ"ז/טבת/תשע"ט</a:t>
             </a:fld>
             <a:endParaRPr lang="he-IL" noProof="0" dirty="0"/>
           </a:p>
@@ -7680,7 +7680,7 @@
             <a:pPr rtl="1"/>
             <a:fld id="{F3EB1D05-BFC2-4E21-811E-8DA0DB64D0C2}" type="datetime1">
               <a:rPr lang="he-IL" noProof="0" smtClean="0"/>
-              <a:t>כ"ד/טבת/תשע"ט</a:t>
+              <a:t>כ"ז/טבת/תשע"ט</a:t>
             </a:fld>
             <a:endParaRPr lang="he-IL" noProof="0" dirty="0"/>
           </a:p>
@@ -8108,7 +8108,7 @@
             <a:pPr rtl="1"/>
             <a:fld id="{4E1AC7E5-A173-4392-8CE5-26BB7A2A2724}" type="datetime1">
               <a:rPr lang="he-IL" noProof="0" smtClean="0"/>
-              <a:t>כ"ד/טבת/תשע"ט</a:t>
+              <a:t>כ"ז/טבת/תשע"ט</a:t>
             </a:fld>
             <a:endParaRPr lang="he-IL" noProof="0" dirty="0"/>
           </a:p>
@@ -8370,7 +8370,7 @@
           <a:p>
             <a:fld id="{FC44ADEF-38C2-44D4-9331-16883C293A27}" type="datetime1">
               <a:rPr lang="he-IL" noProof="0" smtClean="0"/>
-              <a:t>כ"ד/טבת/תשע"ט</a:t>
+              <a:t>כ"ז/טבת/תשע"ט</a:t>
             </a:fld>
             <a:endParaRPr lang="he-IL" noProof="0" dirty="0"/>
           </a:p>
@@ -13045,7 +13045,7 @@
         </p:spPr>
         <p:txBody>
           <a:bodyPr>
-            <a:normAutofit/>
+            <a:normAutofit lnSpcReduction="10000"/>
           </a:bodyPr>
           <a:lstStyle/>
           <a:p>
@@ -13076,6 +13076,13 @@
             </a:r>
           </a:p>
           <a:p>
+            <a:pPr lvl="1"/>
+            <a:r>
+              <a:rPr lang="he-IL" sz="2400" dirty="0"/>
+              <a:t>עלויות</a:t>
+            </a:r>
+          </a:p>
+          <a:p>
             <a:pPr marL="457063" lvl="1" indent="0">
               <a:buNone/>
             </a:pPr>
@@ -13106,7 +13113,7 @@
             <a:pPr lvl="1"/>
             <a:r>
               <a:rPr lang="he-IL" sz="2400" dirty="0"/>
-              <a:t>פעם – מתקשרים משתתף משתתף אישית ומזמנים אותו לאירוע.</a:t>
+              <a:t>פעם – מתקשרים לכל אחד מהמשתתפים ומזמנים אותו לאירוע.</a:t>
             </a:r>
           </a:p>
           <a:p>
@@ -13184,7 +13191,7 @@
             <a:pPr algn="r"/>
             <a:r>
               <a:rPr lang="he-IL" dirty="0"/>
-              <a:t>המצב כיום-הבעיה</a:t>
+              <a:t>הבעיה</a:t>
             </a:r>
           </a:p>
         </p:txBody>
@@ -13231,7 +13238,7 @@
           <a:p>
             <a:r>
               <a:rPr lang="he-IL" dirty="0"/>
-              <a:t>אי שוויון בחלוקת התפקידים – המצב בו כל האחריות נופלת על אדם אחד הוא אבסורד.</a:t>
+              <a:t>אי שוויון בחלוקת התפקידים – המצב בו כל האחריות נופלת על אדם אחד ולא באופן שוויוני בין המשתתפים.</a:t>
             </a:r>
           </a:p>
           <a:p>
@@ -13243,26 +13250,33 @@
           <a:p>
             <a:r>
               <a:rPr lang="he-IL" dirty="0"/>
-              <a:t>החלטיות – חוסר החלטיות לגבי הגעה לאירוע של מוזמן לאירוע.</a:t>
-            </a:r>
-          </a:p>
-          <a:p>
-            <a:pPr marL="0" indent="0">
-              <a:buNone/>
-            </a:pPr>
-            <a:endParaRPr lang="he-IL" dirty="0"/>
+              <a:t>וודאות הגעה – חוסר וודאות לגבי הגעה של משתתפים לאירוע.</a:t>
+            </a:r>
+          </a:p>
+          <a:p>
+            <a:endParaRPr lang="en-US" dirty="0"/>
           </a:p>
           <a:p>
             <a:r>
               <a:rPr lang="he-IL" dirty="0"/>
-              <a:t>חלוקת המוצרים אינה שוויונית – ייתכן מצב כי אדם אחד יצטרך להביא מוצר ששוויו יקר יחסית והשני לא.</a:t>
-            </a:r>
-          </a:p>
-          <a:p>
-            <a:pPr marL="0" indent="0">
-              <a:buNone/>
-            </a:pPr>
-            <a:endParaRPr lang="he-IL" dirty="0"/>
+              <a:t>נגישות למידע – </a:t>
+            </a:r>
+            <a:r>
+              <a:rPr lang="he-IL" dirty="0" err="1"/>
+              <a:t>באירגון</a:t>
+            </a:r>
+            <a:r>
+              <a:rPr lang="he-IL" dirty="0"/>
+              <a:t> אירועים כיום אין תמונת מצב בהירה ונגישה מספיק כדי לקבל מידע ברור, מדויק ,</a:t>
+            </a:r>
+            <a:r>
+              <a:rPr lang="he-IL" dirty="0" err="1"/>
+              <a:t>מיידי</a:t>
+            </a:r>
+            <a:r>
+              <a:rPr lang="he-IL" dirty="0"/>
+              <a:t> ומהיר.</a:t>
+            </a:r>
           </a:p>
           <a:p>
             <a:pPr marL="0" indent="0">
@@ -13368,7 +13382,7 @@
           <a:p>
             <a:r>
               <a:rPr lang="he-IL" dirty="0"/>
-              <a:t>האפליקציה תהיה אפליקציה לתכנון אירועים (כנסים, סמינרים, חגיגות וכיו"ב). מטרת האפליקציה היא לעזור למשתמש/משתמשים לתכנן את האירוע בצורה קלה ונוחה ותסייע להורדת הזמן המתבזבז בעקבות ענייניים לוגיסטיים כגון: תקציב, ארגון אוכל, וכיו"ב. האפליקציה תשיג מטרות אילו באמצעות מתן אופציה למתכנן האירוע, להגדיר אילו מוצרים נזקקים על מנת שהאירוע יתקיים, אופציה לעקוב על מספר המשתתפים באירוע, מתכנני האירוע יוכלו לתאר את האירוע (</a:t>
+              <a:t>האפליקציה תהיה אפליקציה לתכנון אירועים (כנסים, סמינרים, חגיגות וכיו"ב). מטרת האפליקציה היא לעזור למארגן האירוע ולמשתתפים באירוע לתכנן את האירוע בצורה קלה ונוחה ותסייע להורדת הזמן המתבזבז בעקבות ענייניים לוגיסטיים כגון: תקציב, ארגון אוכל, וכיו"ב. האפליקציה תשיג מטרות אילו באמצעות מתן אופציה למתכנן האירוע, להגדיר אילו מוצרים נזקקים על מנת שהאירוע יתקיים, אופציה לעקוב על מספר המשתתפים באירוע. מתכנני האירוע יוכלו לתאר את האירוע (</a:t>
             </a:r>
             <a:r>
               <a:rPr lang="en-US" dirty="0"/>
@@ -13376,14 +13390,38 @@
             </a:r>
             <a:r>
               <a:rPr lang="he-IL" dirty="0"/>
-              <a:t>) ולהגדיר מראש את כמות המשתתפים במקרה שירצו בכך. האפליקציה תעקוב אחרי המוצרים, מספר המשתתפים וכיו"ב עד להשגת היעד המבוקש (בהתאם להגדרת מייסדי האירוע).</a:t>
+              <a:t>) ולהגדיר מראש את כמות המשתתפים במקרה שירצו בכך. האפליקציה </a:t>
+            </a:r>
+            <a:r>
+              <a:rPr lang="he-IL" dirty="0" err="1"/>
+              <a:t>תיג</a:t>
+            </a:r>
+            <a:r>
+              <a:rPr lang="he-IL" dirty="0"/>
+              <a:t> באופן </a:t>
+            </a:r>
+            <a:r>
+              <a:rPr lang="he-IL" dirty="0" err="1"/>
+              <a:t>מיידי</a:t>
+            </a:r>
+            <a:r>
+              <a:rPr lang="he-IL" dirty="0"/>
+              <a:t> באופן ברור </a:t>
+            </a:r>
+            <a:r>
+              <a:rPr lang="he-IL" dirty="0" err="1"/>
+              <a:t>ומדוייק</a:t>
+            </a:r>
+            <a:r>
+              <a:rPr lang="he-IL" dirty="0"/>
+              <a:t> את סטטוס האירוע. </a:t>
             </a:r>
             <a:br>
               <a:rPr lang="he-IL" dirty="0"/>
             </a:br>
             <a:r>
               <a:rPr lang="he-IL" dirty="0"/>
-              <a:t>מייסדי האירוע יוכלו להגדיר מספר הגדרות, לדוגמה תהיה אופציה להגדיר שכל משתתף צריך להביא מצרך כלשהו מבין רשימת מצרכים, וכיו"ב.</a:t>
+              <a:t>מייסדי האירוע יוכלו להגדיר מספר הגדרות, לדוגמה תהיה אופציה להגדיר שכל משתתף צריך להביא מצרך כלשהו מבין רשימת מצרכים, או חלוקה שוויונית בכספים.</a:t>
             </a:r>
             <a:endParaRPr lang="en-US" dirty="0"/>
           </a:p>
@@ -13520,20 +13558,25 @@
           <a:p>
             <a:r>
               <a:rPr lang="he-IL" dirty="0"/>
-              <a:t>ארגון האירוע תחת אחריותה של האפליקציה לאחר הגדרת האירוע.</a:t>
+              <a:t>האפליקציה יודעת לחלק את עלויות רכישת המוצרים באופן שיווני מבין המשתתפים</a:t>
             </a:r>
           </a:p>
           <a:p>
             <a:r>
               <a:rPr lang="he-IL" dirty="0"/>
-              <a:t>האפליקציה מסדרת את האירועים לפי תאריך ונותנת אינפורמציה לגבי האירועים שלך.</a:t>
+              <a:t>האפליקציה מסדרת את האירועים לפי זמן מהקרובה ביותר לרחוקה.</a:t>
             </a:r>
           </a:p>
           <a:p>
             <a:r>
               <a:rPr lang="he-IL" dirty="0"/>
-              <a:t>כל אחד יודע מה הוא צריך להביא, ומחויב להביא מוצר באופן שוויוני.</a:t>
-            </a:r>
+              <a:t>באפליקציה אפשר לראות בזמן נתון מי מהמשתתפים אישור/דחה הגעה וכמובן </a:t>
+            </a:r>
+            <a:r>
+              <a:rPr lang="he-IL"/>
+              <a:t>מידע מפורט על האירוע.</a:t>
+            </a:r>
+            <a:endParaRPr lang="he-IL" dirty="0"/>
           </a:p>
           <a:p>
             <a:pPr marL="0" indent="0">
@@ -16707,6 +16750,15 @@
 </file>
 
 <file path=customXml/item1.xml><?xml version="1.0" encoding="utf-8"?>
+<?mso-contentType ?>
+<FormTemplates xmlns="http://schemas.microsoft.com/sharepoint/v3/contenttype/forms">
+  <Display>DocumentLibraryForm</Display>
+  <Edit>DocumentLibraryForm</Edit>
+  <New>DocumentLibraryForm</New>
+</FormTemplates>
+</file>
+
+<file path=customXml/item2.xml><?xml version="1.0" encoding="utf-8"?>
 <ct:contentTypeSchema xmlns:ct="http://schemas.microsoft.com/office/2006/metadata/contentType" xmlns:ma="http://schemas.microsoft.com/office/2006/metadata/properties/metaAttributes" ct:_="" ma:_="" ma:contentTypeName="Document" ma:contentTypeID="0x010100AA3F7D94069FF64A86F7DFF56D60E3BE" ma:contentTypeVersion="6" ma:contentTypeDescription="Create a new document." ma:contentTypeScope="" ma:versionID="c32302c77d4085ecf495bdddb7f5e889">
   <xsd:schema xmlns:xsd="http://www.w3.org/2001/XMLSchema" xmlns:xs="http://www.w3.org/2001/XMLSchema" xmlns:p="http://schemas.microsoft.com/office/2006/metadata/properties" xmlns:ns2="a4f35948-e619-41b3-aa29-22878b09cfd2" xmlns:ns3="40262f94-9f35-4ac3-9a90-690165a166b7" targetNamespace="http://schemas.microsoft.com/office/2006/metadata/properties" ma:root="true" ma:fieldsID="4ab5ae46be95f9d0be6107e8200be7a2" ns2:_="" ns3:_="">
     <xsd:import namespace="a4f35948-e619-41b3-aa29-22878b09cfd2"/>
@@ -16887,15 +16939,6 @@
 </ct:contentTypeSchema>
 </file>
 
-<file path=customXml/item2.xml><?xml version="1.0" encoding="utf-8"?>
-<?mso-contentType ?>
-<FormTemplates xmlns="http://schemas.microsoft.com/sharepoint/v3/contenttype/forms">
-  <Display>DocumentLibraryForm</Display>
-  <Edit>DocumentLibraryForm</Edit>
-  <New>DocumentLibraryForm</New>
-</FormTemplates>
-</file>
-
 <file path=customXml/item3.xml><?xml version="1.0" encoding="utf-8"?>
 <p:properties xmlns:p="http://schemas.microsoft.com/office/2006/metadata/properties" xmlns:xsi="http://www.w3.org/2001/XMLSchema-instance" xmlns:pc="http://schemas.microsoft.com/office/infopath/2007/PartnerControls">
   <documentManagement>
@@ -16908,6 +16951,14 @@
 </file>
 
 <file path=customXml/itemProps1.xml><?xml version="1.0" encoding="utf-8"?>
+<ds:datastoreItem xmlns:ds="http://schemas.openxmlformats.org/officeDocument/2006/customXml" ds:itemID="{7F9B8BCC-BF24-4800-92E1-9F891BBB27E6}">
+  <ds:schemaRefs>
+    <ds:schemaRef ds:uri="http://schemas.microsoft.com/sharepoint/v3/contenttype/forms"/>
+  </ds:schemaRefs>
+</ds:datastoreItem>
+</file>
+
+<file path=customXml/itemProps2.xml><?xml version="1.0" encoding="utf-8"?>
 <ds:datastoreItem xmlns:ds="http://schemas.openxmlformats.org/officeDocument/2006/customXml" ds:itemID="{5CCB2C71-1ED8-4540-B003-293B5E75C71F}">
   <ds:schemaRefs>
     <ds:schemaRef ds:uri="http://schemas.microsoft.com/office/2006/metadata/contentType"/>
@@ -16922,14 +16973,6 @@
     <ds:schemaRef ds:uri="http://purl.org/dc/elements/1.1/"/>
     <ds:schemaRef ds:uri="http://purl.org/dc/terms/"/>
     <ds:schemaRef ds:uri="http://schemas.microsoft.com/internal/obd"/>
-  </ds:schemaRefs>
-</ds:datastoreItem>
-</file>
-
-<file path=customXml/itemProps2.xml><?xml version="1.0" encoding="utf-8"?>
-<ds:datastoreItem xmlns:ds="http://schemas.openxmlformats.org/officeDocument/2006/customXml" ds:itemID="{7F9B8BCC-BF24-4800-92E1-9F891BBB27E6}">
-  <ds:schemaRefs>
-    <ds:schemaRef ds:uri="http://schemas.microsoft.com/sharepoint/v3/contenttype/forms"/>
   </ds:schemaRefs>
 </ds:datastoreItem>
 </file>
